--- a/imdb_pp.pptx
+++ b/imdb_pp.pptx
@@ -6,7 +6,7 @@
     <p:sldMasterId id="2147483660" r:id="rId2"/>
   </p:sldMasterIdLst>
   <p:notesMasterIdLst>
-    <p:notesMasterId r:id="rId18"/>
+    <p:notesMasterId r:id="rId19"/>
   </p:notesMasterIdLst>
   <p:sldIdLst>
     <p:sldId id="256" r:id="rId3"/>
@@ -24,6 +24,7 @@
     <p:sldId id="268" r:id="rId15"/>
     <p:sldId id="270" r:id="rId16"/>
     <p:sldId id="269" r:id="rId17"/>
+    <p:sldId id="272" r:id="rId18"/>
   </p:sldIdLst>
   <p:sldSz cx="12192000" cy="6858000"/>
   <p:notesSz cx="6858000" cy="9144000"/>
@@ -822,13 +823,13 @@
   <p:clrMapOvr>
     <a:masterClrMapping/>
   </p:clrMapOvr>
-  <mc:AlternateContent xmlns:mc="http://schemas.openxmlformats.org/markup-compatibility/2006">
-    <mc:Choice xmlns:p14="http://schemas.microsoft.com/office/powerpoint/2010/main" Requires="p14">
+  <mc:AlternateContent xmlns:mc="http://schemas.openxmlformats.org/markup-compatibility/2006" xmlns:p14="http://schemas.microsoft.com/office/powerpoint/2010/main">
+    <mc:Choice Requires="p14">
       <p:transition spd="med" p14:dur="700">
         <p:fade/>
       </p:transition>
     </mc:Choice>
-    <mc:Fallback>
+    <mc:Fallback xmlns="">
       <p:transition spd="med">
         <p:fade/>
       </p:transition>
@@ -1035,13 +1036,13 @@
   <p:clrMapOvr>
     <a:masterClrMapping/>
   </p:clrMapOvr>
-  <mc:AlternateContent xmlns:mc="http://schemas.openxmlformats.org/markup-compatibility/2006">
-    <mc:Choice xmlns:p14="http://schemas.microsoft.com/office/powerpoint/2010/main" Requires="p14">
+  <mc:AlternateContent xmlns:mc="http://schemas.openxmlformats.org/markup-compatibility/2006" xmlns:p14="http://schemas.microsoft.com/office/powerpoint/2010/main">
+    <mc:Choice Requires="p14">
       <p:transition spd="med" p14:dur="700">
         <p:fade/>
       </p:transition>
     </mc:Choice>
-    <mc:Fallback>
+    <mc:Fallback xmlns="">
       <p:transition spd="med">
         <p:fade/>
       </p:transition>
@@ -1262,13 +1263,13 @@
   <p:clrMapOvr>
     <a:masterClrMapping/>
   </p:clrMapOvr>
-  <mc:AlternateContent xmlns:mc="http://schemas.openxmlformats.org/markup-compatibility/2006">
-    <mc:Choice xmlns:p14="http://schemas.microsoft.com/office/powerpoint/2010/main" Requires="p14">
+  <mc:AlternateContent xmlns:mc="http://schemas.openxmlformats.org/markup-compatibility/2006" xmlns:p14="http://schemas.microsoft.com/office/powerpoint/2010/main">
+    <mc:Choice Requires="p14">
       <p:transition spd="med" p14:dur="700">
         <p:fade/>
       </p:transition>
     </mc:Choice>
-    <mc:Fallback>
+    <mc:Fallback xmlns="">
       <p:transition spd="med">
         <p:fade/>
       </p:transition>
@@ -1547,13 +1548,13 @@
   <p:clrMapOvr>
     <a:masterClrMapping/>
   </p:clrMapOvr>
-  <mc:AlternateContent xmlns:mc="http://schemas.openxmlformats.org/markup-compatibility/2006">
-    <mc:Choice xmlns:p14="http://schemas.microsoft.com/office/powerpoint/2010/main" Requires="p14">
+  <mc:AlternateContent xmlns:mc="http://schemas.openxmlformats.org/markup-compatibility/2006" xmlns:p14="http://schemas.microsoft.com/office/powerpoint/2010/main">
+    <mc:Choice Requires="p14">
       <p:transition spd="med" p14:dur="700">
         <p:fade/>
       </p:transition>
     </mc:Choice>
-    <mc:Fallback>
+    <mc:Fallback xmlns="">
       <p:transition spd="med">
         <p:fade/>
       </p:transition>
@@ -1760,13 +1761,13 @@
   <p:clrMapOvr>
     <a:masterClrMapping/>
   </p:clrMapOvr>
-  <mc:AlternateContent xmlns:mc="http://schemas.openxmlformats.org/markup-compatibility/2006">
-    <mc:Choice xmlns:p14="http://schemas.microsoft.com/office/powerpoint/2010/main" Requires="p14">
+  <mc:AlternateContent xmlns:mc="http://schemas.openxmlformats.org/markup-compatibility/2006" xmlns:p14="http://schemas.microsoft.com/office/powerpoint/2010/main">
+    <mc:Choice Requires="p14">
       <p:transition spd="med" p14:dur="700">
         <p:fade/>
       </p:transition>
     </mc:Choice>
-    <mc:Fallback>
+    <mc:Fallback xmlns="">
       <p:transition spd="med">
         <p:fade/>
       </p:transition>
@@ -2051,13 +2052,13 @@
   <p:clrMapOvr>
     <a:masterClrMapping/>
   </p:clrMapOvr>
-  <mc:AlternateContent xmlns:mc="http://schemas.openxmlformats.org/markup-compatibility/2006">
-    <mc:Choice xmlns:p14="http://schemas.microsoft.com/office/powerpoint/2010/main" Requires="p14">
+  <mc:AlternateContent xmlns:mc="http://schemas.openxmlformats.org/markup-compatibility/2006" xmlns:p14="http://schemas.microsoft.com/office/powerpoint/2010/main">
+    <mc:Choice Requires="p14">
       <p:transition spd="med" p14:dur="700">
         <p:fade/>
       </p:transition>
     </mc:Choice>
-    <mc:Fallback>
+    <mc:Fallback xmlns="">
       <p:transition spd="med">
         <p:fade/>
       </p:transition>
@@ -2331,13 +2332,13 @@
   <p:clrMapOvr>
     <a:masterClrMapping/>
   </p:clrMapOvr>
-  <mc:AlternateContent xmlns:mc="http://schemas.openxmlformats.org/markup-compatibility/2006">
-    <mc:Choice xmlns:p14="http://schemas.microsoft.com/office/powerpoint/2010/main" Requires="p14">
+  <mc:AlternateContent xmlns:mc="http://schemas.openxmlformats.org/markup-compatibility/2006" xmlns:p14="http://schemas.microsoft.com/office/powerpoint/2010/main">
+    <mc:Choice Requires="p14">
       <p:transition spd="med" p14:dur="700">
         <p:fade/>
       </p:transition>
     </mc:Choice>
-    <mc:Fallback>
+    <mc:Fallback xmlns="">
       <p:transition spd="med">
         <p:fade/>
       </p:transition>
@@ -2759,13 +2760,13 @@
   <p:clrMapOvr>
     <a:masterClrMapping/>
   </p:clrMapOvr>
-  <mc:AlternateContent xmlns:mc="http://schemas.openxmlformats.org/markup-compatibility/2006">
-    <mc:Choice xmlns:p14="http://schemas.microsoft.com/office/powerpoint/2010/main" Requires="p14">
+  <mc:AlternateContent xmlns:mc="http://schemas.openxmlformats.org/markup-compatibility/2006" xmlns:p14="http://schemas.microsoft.com/office/powerpoint/2010/main">
+    <mc:Choice Requires="p14">
       <p:transition spd="med" p14:dur="700">
         <p:fade/>
       </p:transition>
     </mc:Choice>
-    <mc:Fallback>
+    <mc:Fallback xmlns="">
       <p:transition spd="med">
         <p:fade/>
       </p:transition>
@@ -2920,13 +2921,13 @@
   <p:clrMapOvr>
     <a:masterClrMapping/>
   </p:clrMapOvr>
-  <mc:AlternateContent xmlns:mc="http://schemas.openxmlformats.org/markup-compatibility/2006">
-    <mc:Choice xmlns:p14="http://schemas.microsoft.com/office/powerpoint/2010/main" Requires="p14">
+  <mc:AlternateContent xmlns:mc="http://schemas.openxmlformats.org/markup-compatibility/2006" xmlns:p14="http://schemas.microsoft.com/office/powerpoint/2010/main">
+    <mc:Choice Requires="p14">
       <p:transition spd="med" p14:dur="700">
         <p:fade/>
       </p:transition>
     </mc:Choice>
-    <mc:Fallback>
+    <mc:Fallback xmlns="">
       <p:transition spd="med">
         <p:fade/>
       </p:transition>
@@ -3027,13 +3028,13 @@
   <p:clrMapOvr>
     <a:masterClrMapping/>
   </p:clrMapOvr>
-  <mc:AlternateContent xmlns:mc="http://schemas.openxmlformats.org/markup-compatibility/2006">
-    <mc:Choice xmlns:p14="http://schemas.microsoft.com/office/powerpoint/2010/main" Requires="p14">
+  <mc:AlternateContent xmlns:mc="http://schemas.openxmlformats.org/markup-compatibility/2006" xmlns:p14="http://schemas.microsoft.com/office/powerpoint/2010/main">
+    <mc:Choice Requires="p14">
       <p:transition spd="med" p14:dur="700">
         <p:fade/>
       </p:transition>
     </mc:Choice>
-    <mc:Fallback>
+    <mc:Fallback xmlns="">
       <p:transition spd="med">
         <p:fade/>
       </p:transition>
@@ -3321,13 +3322,13 @@
   <p:clrMapOvr>
     <a:masterClrMapping/>
   </p:clrMapOvr>
-  <mc:AlternateContent xmlns:mc="http://schemas.openxmlformats.org/markup-compatibility/2006">
-    <mc:Choice xmlns:p14="http://schemas.microsoft.com/office/powerpoint/2010/main" Requires="p14">
+  <mc:AlternateContent xmlns:mc="http://schemas.openxmlformats.org/markup-compatibility/2006" xmlns:p14="http://schemas.microsoft.com/office/powerpoint/2010/main">
+    <mc:Choice Requires="p14">
       <p:transition spd="med" p14:dur="700">
         <p:fade/>
       </p:transition>
     </mc:Choice>
-    <mc:Fallback>
+    <mc:Fallback xmlns="">
       <p:transition spd="med">
         <p:fade/>
       </p:transition>
@@ -3784,13 +3785,13 @@
   <p:clrMapOvr>
     <a:masterClrMapping/>
   </p:clrMapOvr>
-  <mc:AlternateContent xmlns:mc="http://schemas.openxmlformats.org/markup-compatibility/2006">
-    <mc:Choice xmlns:p14="http://schemas.microsoft.com/office/powerpoint/2010/main" Requires="p14">
+  <mc:AlternateContent xmlns:mc="http://schemas.openxmlformats.org/markup-compatibility/2006" xmlns:p14="http://schemas.microsoft.com/office/powerpoint/2010/main">
+    <mc:Choice Requires="p14">
       <p:transition spd="med" p14:dur="700">
         <p:fade/>
       </p:transition>
     </mc:Choice>
-    <mc:Fallback>
+    <mc:Fallback xmlns="">
       <p:transition spd="med">
         <p:fade/>
       </p:transition>
@@ -4170,13 +4171,13 @@
     <p:sldLayoutId id="2147483658" r:id="rId10"/>
     <p:sldLayoutId id="2147483659" r:id="rId11"/>
   </p:sldLayoutIdLst>
-  <mc:AlternateContent xmlns:mc="http://schemas.openxmlformats.org/markup-compatibility/2006">
-    <mc:Choice xmlns:p14="http://schemas.microsoft.com/office/powerpoint/2010/main" Requires="p14">
+  <mc:AlternateContent xmlns:mc="http://schemas.openxmlformats.org/markup-compatibility/2006" xmlns:p14="http://schemas.microsoft.com/office/powerpoint/2010/main">
+    <mc:Choice Requires="p14">
       <p:transition spd="med" p14:dur="700">
         <p:fade/>
       </p:transition>
     </mc:Choice>
-    <mc:Fallback>
+    <mc:Fallback xmlns="">
       <p:transition spd="med">
         <p:fade/>
       </p:transition>
@@ -4756,13 +4757,13 @@
   <p:sldLayoutIdLst>
     <p:sldLayoutId id="2147483661" r:id="rId1"/>
   </p:sldLayoutIdLst>
-  <mc:AlternateContent xmlns:mc="http://schemas.openxmlformats.org/markup-compatibility/2006">
-    <mc:Choice xmlns:p14="http://schemas.microsoft.com/office/powerpoint/2010/main" Requires="p14">
+  <mc:AlternateContent xmlns:mc="http://schemas.openxmlformats.org/markup-compatibility/2006" xmlns:p14="http://schemas.microsoft.com/office/powerpoint/2010/main">
+    <mc:Choice Requires="p14">
       <p:transition spd="med" p14:dur="700">
         <p:fade/>
       </p:transition>
     </mc:Choice>
-    <mc:Fallback>
+    <mc:Fallback xmlns="">
       <p:transition spd="med">
         <p:fade/>
       </p:transition>
@@ -5601,13 +5602,13 @@
   <p:clrMapOvr>
     <a:masterClrMapping/>
   </p:clrMapOvr>
-  <mc:AlternateContent xmlns:mc="http://schemas.openxmlformats.org/markup-compatibility/2006">
-    <mc:Choice xmlns:p14="http://schemas.microsoft.com/office/powerpoint/2010/main" Requires="p14">
+  <mc:AlternateContent xmlns:mc="http://schemas.openxmlformats.org/markup-compatibility/2006" xmlns:p14="http://schemas.microsoft.com/office/powerpoint/2010/main">
+    <mc:Choice Requires="p14">
       <p:transition spd="med" p14:dur="700">
         <p:fade/>
       </p:transition>
     </mc:Choice>
-    <mc:Fallback>
+    <mc:Fallback xmlns="">
       <p:transition spd="med">
         <p:fade/>
       </p:transition>
@@ -5860,13 +5861,13 @@
   <p:clrMapOvr>
     <a:masterClrMapping/>
   </p:clrMapOvr>
-  <mc:AlternateContent xmlns:mc="http://schemas.openxmlformats.org/markup-compatibility/2006">
-    <mc:Choice xmlns:p14="http://schemas.microsoft.com/office/powerpoint/2010/main" Requires="p14">
+  <mc:AlternateContent xmlns:mc="http://schemas.openxmlformats.org/markup-compatibility/2006" xmlns:p14="http://schemas.microsoft.com/office/powerpoint/2010/main">
+    <mc:Choice Requires="p14">
       <p:transition spd="med" p14:dur="700">
         <p:fade/>
       </p:transition>
     </mc:Choice>
-    <mc:Fallback>
+    <mc:Fallback xmlns="">
       <p:transition spd="med">
         <p:fade/>
       </p:transition>
@@ -6121,13 +6122,13 @@
   <p:clrMapOvr>
     <a:masterClrMapping/>
   </p:clrMapOvr>
-  <mc:AlternateContent xmlns:mc="http://schemas.openxmlformats.org/markup-compatibility/2006">
-    <mc:Choice xmlns:p14="http://schemas.microsoft.com/office/powerpoint/2010/main" Requires="p14">
+  <mc:AlternateContent xmlns:mc="http://schemas.openxmlformats.org/markup-compatibility/2006" xmlns:p14="http://schemas.microsoft.com/office/powerpoint/2010/main">
+    <mc:Choice Requires="p14">
       <p:transition spd="med" p14:dur="700">
         <p:fade/>
       </p:transition>
     </mc:Choice>
-    <mc:Fallback>
+    <mc:Fallback xmlns="">
       <p:transition spd="med">
         <p:fade/>
       </p:transition>
@@ -6382,13 +6383,13 @@
   <p:clrMapOvr>
     <a:masterClrMapping/>
   </p:clrMapOvr>
-  <mc:AlternateContent xmlns:mc="http://schemas.openxmlformats.org/markup-compatibility/2006">
-    <mc:Choice xmlns:p14="http://schemas.microsoft.com/office/powerpoint/2010/main" Requires="p14">
+  <mc:AlternateContent xmlns:mc="http://schemas.openxmlformats.org/markup-compatibility/2006" xmlns:p14="http://schemas.microsoft.com/office/powerpoint/2010/main">
+    <mc:Choice Requires="p14">
       <p:transition spd="med" p14:dur="700">
         <p:fade/>
       </p:transition>
     </mc:Choice>
-    <mc:Fallback>
+    <mc:Fallback xmlns="">
       <p:transition spd="med">
         <p:fade/>
       </p:transition>
@@ -6643,13 +6644,13 @@
   <p:clrMapOvr>
     <a:masterClrMapping/>
   </p:clrMapOvr>
-  <mc:AlternateContent xmlns:mc="http://schemas.openxmlformats.org/markup-compatibility/2006">
-    <mc:Choice xmlns:p14="http://schemas.microsoft.com/office/powerpoint/2010/main" Requires="p14">
+  <mc:AlternateContent xmlns:mc="http://schemas.openxmlformats.org/markup-compatibility/2006" xmlns:p14="http://schemas.microsoft.com/office/powerpoint/2010/main">
+    <mc:Choice Requires="p14">
       <p:transition spd="med" p14:dur="700">
         <p:fade/>
       </p:transition>
     </mc:Choice>
-    <mc:Fallback>
+    <mc:Fallback xmlns="">
       <p:transition spd="med">
         <p:fade/>
       </p:transition>
@@ -6902,13 +6903,13 @@
   <p:clrMapOvr>
     <a:masterClrMapping/>
   </p:clrMapOvr>
-  <mc:AlternateContent xmlns:mc="http://schemas.openxmlformats.org/markup-compatibility/2006">
-    <mc:Choice xmlns:p14="http://schemas.microsoft.com/office/powerpoint/2010/main" Requires="p14">
+  <mc:AlternateContent xmlns:mc="http://schemas.openxmlformats.org/markup-compatibility/2006" xmlns:p14="http://schemas.microsoft.com/office/powerpoint/2010/main">
+    <mc:Choice Requires="p14">
       <p:transition spd="med" p14:dur="700">
         <p:fade/>
       </p:transition>
     </mc:Choice>
-    <mc:Fallback>
+    <mc:Fallback xmlns="">
       <p:transition spd="med">
         <p:fade/>
       </p:transition>
@@ -7163,13 +7164,612 @@
   <p:clrMapOvr>
     <a:masterClrMapping/>
   </p:clrMapOvr>
-  <mc:AlternateContent xmlns:mc="http://schemas.openxmlformats.org/markup-compatibility/2006">
-    <mc:Choice xmlns:p14="http://schemas.microsoft.com/office/powerpoint/2010/main" Requires="p14">
+  <mc:AlternateContent xmlns:mc="http://schemas.openxmlformats.org/markup-compatibility/2006" xmlns:p14="http://schemas.microsoft.com/office/powerpoint/2010/main">
+    <mc:Choice Requires="p14">
       <p:transition spd="med" p14:dur="700">
         <p:fade/>
       </p:transition>
     </mc:Choice>
-    <mc:Fallback>
+    <mc:Fallback xmlns="">
+      <p:transition spd="med">
+        <p:fade/>
+      </p:transition>
+    </mc:Fallback>
+  </mc:AlternateContent>
+</p:sld>
+</file>
+
+<file path=ppt/slides/slide16.xml><?xml version="1.0" encoding="utf-8"?>
+<p:sld xmlns:a="http://schemas.openxmlformats.org/drawingml/2006/main" xmlns:r="http://schemas.openxmlformats.org/officeDocument/2006/relationships" xmlns:p="http://schemas.openxmlformats.org/presentationml/2006/main">
+  <p:cSld>
+    <p:bg>
+      <p:bgPr>
+        <a:gradFill rotWithShape="1">
+          <a:gsLst>
+            <a:gs pos="0">
+              <a:schemeClr val="bg1">
+                <a:tint val="94000"/>
+                <a:satMod val="80000"/>
+                <a:lumMod val="106000"/>
+              </a:schemeClr>
+            </a:gs>
+            <a:gs pos="100000">
+              <a:schemeClr val="bg1">
+                <a:shade val="80000"/>
+              </a:schemeClr>
+            </a:gs>
+          </a:gsLst>
+          <a:path path="circle">
+            <a:fillToRect l="50000" t="50000" r="50000" b="50000"/>
+          </a:path>
+        </a:gradFill>
+        <a:effectLst/>
+      </p:bgPr>
+    </p:bg>
+    <p:spTree>
+      <p:nvGrpSpPr>
+        <p:cNvPr id="1" name=""/>
+        <p:cNvGrpSpPr/>
+        <p:nvPr/>
+      </p:nvGrpSpPr>
+      <p:grpSpPr>
+        <a:xfrm>
+          <a:off x="0" y="0"/>
+          <a:ext cx="0" cy="0"/>
+          <a:chOff x="0" y="0"/>
+          <a:chExt cx="0" cy="0"/>
+        </a:xfrm>
+      </p:grpSpPr>
+      <p:sp>
+        <p:nvSpPr>
+          <p:cNvPr id="13" name="Rectangle 7">
+            <a:extLst>
+              <a:ext uri="{FF2B5EF4-FFF2-40B4-BE49-F238E27FC236}">
+                <a16:creationId xmlns:a16="http://schemas.microsoft.com/office/drawing/2014/main" id="{23522FE7-5A29-4EF6-B1EF-2CA55748A772}"/>
+              </a:ext>
+              <a:ext uri="{C183D7F6-B498-43B3-948B-1728B52AA6E4}">
+                <adec:decorative xmlns:adec="http://schemas.microsoft.com/office/drawing/2017/decorative" val="1"/>
+              </a:ext>
+            </a:extLst>
+          </p:cNvPr>
+          <p:cNvSpPr>
+            <a:spLocks noGrp="1" noRot="1" noChangeAspect="1" noMove="1" noResize="1" noEditPoints="1" noAdjustHandles="1" noChangeArrowheads="1" noChangeShapeType="1" noTextEdit="1"/>
+          </p:cNvSpPr>
+          <p:nvPr>
+            <p:extLst>
+              <p:ext uri="{386F3935-93C4-4BCD-93E2-E3B085C9AB24}">
+                <p16:designElem xmlns:p16="http://schemas.microsoft.com/office/powerpoint/2015/main" val="1"/>
+              </p:ext>
+            </p:extLst>
+          </p:nvPr>
+        </p:nvSpPr>
+        <p:spPr>
+          <a:xfrm>
+            <a:off x="0" y="2019476"/>
+            <a:ext cx="12192000" cy="4105941"/>
+          </a:xfrm>
+          <a:prstGeom prst="rect">
+            <a:avLst/>
+          </a:prstGeom>
+          <a:gradFill flip="none" rotWithShape="1">
+            <a:gsLst>
+              <a:gs pos="0">
+                <a:schemeClr val="bg2">
+                  <a:alpha val="0"/>
+                </a:schemeClr>
+              </a:gs>
+              <a:gs pos="100000">
+                <a:schemeClr val="bg2"/>
+              </a:gs>
+            </a:gsLst>
+            <a:lin ang="5400000" scaled="0"/>
+            <a:tileRect/>
+          </a:gradFill>
+          <a:ln>
+            <a:noFill/>
+          </a:ln>
+        </p:spPr>
+        <p:style>
+          <a:lnRef idx="2">
+            <a:schemeClr val="accent1">
+              <a:shade val="50000"/>
+            </a:schemeClr>
+          </a:lnRef>
+          <a:fillRef idx="1">
+            <a:schemeClr val="accent1"/>
+          </a:fillRef>
+          <a:effectRef idx="0">
+            <a:schemeClr val="accent1"/>
+          </a:effectRef>
+          <a:fontRef idx="minor">
+            <a:schemeClr val="lt1"/>
+          </a:fontRef>
+        </p:style>
+      </p:sp>
+      <p:pic>
+        <p:nvPicPr>
+          <p:cNvPr id="15" name="Picture 9">
+            <a:extLst>
+              <a:ext uri="{FF2B5EF4-FFF2-40B4-BE49-F238E27FC236}">
+                <a16:creationId xmlns:a16="http://schemas.microsoft.com/office/drawing/2014/main" id="{C2192E09-EBC7-416C-B887-DFF915D7F43D}"/>
+              </a:ext>
+              <a:ext uri="{C183D7F6-B498-43B3-948B-1728B52AA6E4}">
+                <adec:decorative xmlns:adec="http://schemas.microsoft.com/office/drawing/2017/decorative" val="1"/>
+              </a:ext>
+            </a:extLst>
+          </p:cNvPr>
+          <p:cNvPicPr>
+            <a:picLocks noGrp="1" noRot="1" noChangeAspect="1" noMove="1" noResize="1" noEditPoints="1" noAdjustHandles="1" noChangeArrowheads="1" noChangeShapeType="1" noCrop="1"/>
+          </p:cNvPicPr>
+          <p:nvPr>
+            <p:extLst>
+              <p:ext uri="{386F3935-93C4-4BCD-93E2-E3B085C9AB24}">
+                <p16:designElem xmlns:p16="http://schemas.microsoft.com/office/powerpoint/2015/main" val="1"/>
+              </p:ext>
+            </p:extLst>
+          </p:nvPr>
+        </p:nvPicPr>
+        <p:blipFill rotWithShape="1">
+          <a:blip r:embed="rId2">
+            <a:extLst>
+              <a:ext uri="{28A0092B-C50C-407E-A947-70E740481C1C}">
+                <a14:useLocalDpi xmlns:a14="http://schemas.microsoft.com/office/drawing/2010/main" val="0"/>
+              </a:ext>
+            </a:extLst>
+          </a:blip>
+          <a:srcRect t="1538" b="-1538"/>
+          <a:stretch/>
+        </p:blipFill>
+        <p:spPr bwMode="black">
+          <a:xfrm>
+            <a:off x="0" y="6126480"/>
+            <a:ext cx="12192000" cy="742950"/>
+          </a:xfrm>
+          <a:prstGeom prst="rect">
+            <a:avLst/>
+          </a:prstGeom>
+        </p:spPr>
+      </p:pic>
+      <p:cxnSp>
+        <p:nvCxnSpPr>
+          <p:cNvPr id="12" name="Straight Connector 11">
+            <a:extLst>
+              <a:ext uri="{FF2B5EF4-FFF2-40B4-BE49-F238E27FC236}">
+                <a16:creationId xmlns:a16="http://schemas.microsoft.com/office/drawing/2014/main" id="{2924498D-E084-44BE-A196-CFCE35564350}"/>
+              </a:ext>
+              <a:ext uri="{C183D7F6-B498-43B3-948B-1728B52AA6E4}">
+                <adec:decorative xmlns:adec="http://schemas.microsoft.com/office/drawing/2017/decorative" val="1"/>
+              </a:ext>
+            </a:extLst>
+          </p:cNvPr>
+          <p:cNvCxnSpPr>
+            <a:cxnSpLocks noGrp="1" noRot="1" noChangeAspect="1" noMove="1" noResize="1" noEditPoints="1" noAdjustHandles="1" noChangeArrowheads="1" noChangeShapeType="1"/>
+          </p:cNvCxnSpPr>
+          <p:nvPr>
+            <p:extLst>
+              <p:ext uri="{386F3935-93C4-4BCD-93E2-E3B085C9AB24}">
+                <p16:designElem xmlns:p16="http://schemas.microsoft.com/office/powerpoint/2015/main" val="1"/>
+              </p:ext>
+            </p:extLst>
+          </p:nvPr>
+        </p:nvCxnSpPr>
+        <p:spPr>
+          <a:xfrm>
+            <a:off x="0" y="6128413"/>
+            <a:ext cx="12192000" cy="0"/>
+          </a:xfrm>
+          <a:prstGeom prst="line">
+            <a:avLst/>
+          </a:prstGeom>
+          <a:ln w="12700">
+            <a:solidFill>
+              <a:srgbClr val="000001">
+                <a:alpha val="20000"/>
+              </a:srgbClr>
+            </a:solidFill>
+          </a:ln>
+        </p:spPr>
+        <p:style>
+          <a:lnRef idx="1">
+            <a:schemeClr val="accent1"/>
+          </a:lnRef>
+          <a:fillRef idx="0">
+            <a:schemeClr val="accent1"/>
+          </a:fillRef>
+          <a:effectRef idx="0">
+            <a:schemeClr val="accent1"/>
+          </a:effectRef>
+          <a:fontRef idx="minor">
+            <a:schemeClr val="tx1"/>
+          </a:fontRef>
+        </p:style>
+      </p:cxnSp>
+      <p:cxnSp>
+        <p:nvCxnSpPr>
+          <p:cNvPr id="14" name="Straight Connector 13">
+            <a:extLst>
+              <a:ext uri="{FF2B5EF4-FFF2-40B4-BE49-F238E27FC236}">
+                <a16:creationId xmlns:a16="http://schemas.microsoft.com/office/drawing/2014/main" id="{3BBC7667-C352-4842-9AFD-E5C16AD002F4}"/>
+              </a:ext>
+              <a:ext uri="{C183D7F6-B498-43B3-948B-1728B52AA6E4}">
+                <adec:decorative xmlns:adec="http://schemas.microsoft.com/office/drawing/2017/decorative" val="1"/>
+              </a:ext>
+            </a:extLst>
+          </p:cNvPr>
+          <p:cNvCxnSpPr>
+            <a:cxnSpLocks noGrp="1" noRot="1" noChangeAspect="1" noMove="1" noResize="1" noEditPoints="1" noAdjustHandles="1" noChangeArrowheads="1" noChangeShapeType="1"/>
+          </p:cNvCxnSpPr>
+          <p:nvPr>
+            <p:extLst>
+              <p:ext uri="{386F3935-93C4-4BCD-93E2-E3B085C9AB24}">
+                <p16:designElem xmlns:p16="http://schemas.microsoft.com/office/powerpoint/2015/main" val="1"/>
+              </p:ext>
+            </p:extLst>
+          </p:nvPr>
+        </p:nvCxnSpPr>
+        <p:spPr>
+          <a:xfrm>
+            <a:off x="2417780" y="3528542"/>
+            <a:ext cx="8637072" cy="0"/>
+          </a:xfrm>
+          <a:prstGeom prst="line">
+            <a:avLst/>
+          </a:prstGeom>
+          <a:ln w="31750"/>
+        </p:spPr>
+        <p:style>
+          <a:lnRef idx="3">
+            <a:schemeClr val="accent1"/>
+          </a:lnRef>
+          <a:fillRef idx="0">
+            <a:schemeClr val="accent1"/>
+          </a:fillRef>
+          <a:effectRef idx="2">
+            <a:schemeClr val="accent1"/>
+          </a:effectRef>
+          <a:fontRef idx="minor">
+            <a:schemeClr val="tx1"/>
+          </a:fontRef>
+        </p:style>
+      </p:cxnSp>
+      <p:sp useBgFill="1">
+        <p:nvSpPr>
+          <p:cNvPr id="16" name="Rectangle 15">
+            <a:extLst>
+              <a:ext uri="{FF2B5EF4-FFF2-40B4-BE49-F238E27FC236}">
+                <a16:creationId xmlns:a16="http://schemas.microsoft.com/office/drawing/2014/main" id="{B5F9E98A-4FF4-43D6-9C48-6DF0E7F2D272}"/>
+              </a:ext>
+              <a:ext uri="{C183D7F6-B498-43B3-948B-1728B52AA6E4}">
+                <adec:decorative xmlns:adec="http://schemas.microsoft.com/office/drawing/2017/decorative" val="1"/>
+              </a:ext>
+            </a:extLst>
+          </p:cNvPr>
+          <p:cNvSpPr>
+            <a:spLocks noGrp="1" noRot="1" noChangeAspect="1" noMove="1" noResize="1" noEditPoints="1" noAdjustHandles="1" noChangeArrowheads="1" noChangeShapeType="1" noTextEdit="1"/>
+          </p:cNvSpPr>
+          <p:nvPr>
+            <p:extLst>
+              <p:ext uri="{386F3935-93C4-4BCD-93E2-E3B085C9AB24}">
+                <p16:designElem xmlns:p16="http://schemas.microsoft.com/office/powerpoint/2015/main" val="1"/>
+              </p:ext>
+            </p:extLst>
+          </p:nvPr>
+        </p:nvSpPr>
+        <p:spPr>
+          <a:xfrm>
+            <a:off x="2" y="0"/>
+            <a:ext cx="12191695" cy="6858000"/>
+          </a:xfrm>
+          <a:prstGeom prst="rect">
+            <a:avLst/>
+          </a:prstGeom>
+          <a:ln>
+            <a:noFill/>
+          </a:ln>
+        </p:spPr>
+        <p:style>
+          <a:lnRef idx="2">
+            <a:schemeClr val="accent1">
+              <a:shade val="50000"/>
+            </a:schemeClr>
+          </a:lnRef>
+          <a:fillRef idx="1">
+            <a:schemeClr val="accent1"/>
+          </a:fillRef>
+          <a:effectRef idx="0">
+            <a:schemeClr val="accent1"/>
+          </a:effectRef>
+          <a:fontRef idx="minor">
+            <a:schemeClr val="lt1"/>
+          </a:fontRef>
+        </p:style>
+        <p:txBody>
+          <a:bodyPr rtlCol="0" anchor="ctr"/>
+          <a:lstStyle/>
+          <a:p>
+            <a:pPr algn="ctr"/>
+            <a:endParaRPr lang="en-US"/>
+          </a:p>
+        </p:txBody>
+      </p:sp>
+      <p:sp>
+        <p:nvSpPr>
+          <p:cNvPr id="18" name="Rectangle 17">
+            <a:extLst>
+              <a:ext uri="{FF2B5EF4-FFF2-40B4-BE49-F238E27FC236}">
+                <a16:creationId xmlns:a16="http://schemas.microsoft.com/office/drawing/2014/main" id="{D207A636-DC99-4588-80C4-9E069B97C3FD}"/>
+              </a:ext>
+              <a:ext uri="{C183D7F6-B498-43B3-948B-1728B52AA6E4}">
+                <adec:decorative xmlns:adec="http://schemas.microsoft.com/office/drawing/2017/decorative" val="1"/>
+              </a:ext>
+            </a:extLst>
+          </p:cNvPr>
+          <p:cNvSpPr>
+            <a:spLocks noGrp="1" noRot="1" noChangeAspect="1" noMove="1" noResize="1" noEditPoints="1" noAdjustHandles="1" noChangeArrowheads="1" noChangeShapeType="1" noTextEdit="1"/>
+          </p:cNvSpPr>
+          <p:nvPr>
+            <p:extLst>
+              <p:ext uri="{386F3935-93C4-4BCD-93E2-E3B085C9AB24}">
+                <p16:designElem xmlns:p16="http://schemas.microsoft.com/office/powerpoint/2015/main" val="1"/>
+              </p:ext>
+            </p:extLst>
+          </p:nvPr>
+        </p:nvSpPr>
+        <p:spPr>
+          <a:xfrm>
+            <a:off x="0" y="2019476"/>
+            <a:ext cx="12192000" cy="4105941"/>
+          </a:xfrm>
+          <a:prstGeom prst="rect">
+            <a:avLst/>
+          </a:prstGeom>
+          <a:gradFill flip="none" rotWithShape="1">
+            <a:gsLst>
+              <a:gs pos="0">
+                <a:schemeClr val="bg2">
+                  <a:alpha val="0"/>
+                </a:schemeClr>
+              </a:gs>
+              <a:gs pos="100000">
+                <a:schemeClr val="bg2"/>
+              </a:gs>
+            </a:gsLst>
+            <a:lin ang="5400000" scaled="0"/>
+            <a:tileRect/>
+          </a:gradFill>
+          <a:ln>
+            <a:noFill/>
+          </a:ln>
+        </p:spPr>
+        <p:style>
+          <a:lnRef idx="2">
+            <a:schemeClr val="accent1">
+              <a:shade val="50000"/>
+            </a:schemeClr>
+          </a:lnRef>
+          <a:fillRef idx="1">
+            <a:schemeClr val="accent1"/>
+          </a:fillRef>
+          <a:effectRef idx="0">
+            <a:schemeClr val="accent1"/>
+          </a:effectRef>
+          <a:fontRef idx="minor">
+            <a:schemeClr val="lt1"/>
+          </a:fontRef>
+        </p:style>
+        <p:txBody>
+          <a:bodyPr rtlCol="0" anchor="ctr"/>
+          <a:lstStyle/>
+          <a:p>
+            <a:pPr lvl="0" algn="ctr"/>
+            <a:endParaRPr lang="en-US" dirty="0"/>
+          </a:p>
+        </p:txBody>
+      </p:sp>
+      <p:pic>
+        <p:nvPicPr>
+          <p:cNvPr id="20" name="Picture 19">
+            <a:extLst>
+              <a:ext uri="{FF2B5EF4-FFF2-40B4-BE49-F238E27FC236}">
+                <a16:creationId xmlns:a16="http://schemas.microsoft.com/office/drawing/2014/main" id="{D4ED6A5F-3B06-48C5-850F-8045C4DF69AE}"/>
+              </a:ext>
+              <a:ext uri="{C183D7F6-B498-43B3-948B-1728B52AA6E4}">
+                <adec:decorative xmlns:adec="http://schemas.microsoft.com/office/drawing/2017/decorative" val="1"/>
+              </a:ext>
+            </a:extLst>
+          </p:cNvPr>
+          <p:cNvPicPr>
+            <a:picLocks noGrp="1" noRot="1" noChangeAspect="1" noMove="1" noResize="1" noEditPoints="1" noAdjustHandles="1" noChangeArrowheads="1" noChangeShapeType="1" noCrop="1"/>
+          </p:cNvPicPr>
+          <p:nvPr>
+            <p:extLst>
+              <p:ext uri="{386F3935-93C4-4BCD-93E2-E3B085C9AB24}">
+                <p16:designElem xmlns:p16="http://schemas.microsoft.com/office/powerpoint/2015/main" val="1"/>
+              </p:ext>
+            </p:extLst>
+          </p:nvPr>
+        </p:nvPicPr>
+        <p:blipFill rotWithShape="1">
+          <a:blip r:embed="rId2">
+            <a:extLst>
+              <a:ext uri="{28A0092B-C50C-407E-A947-70E740481C1C}">
+                <a14:useLocalDpi xmlns:a14="http://schemas.microsoft.com/office/drawing/2010/main" val="0"/>
+              </a:ext>
+            </a:extLst>
+          </a:blip>
+          <a:srcRect t="1538" b="-1538"/>
+          <a:stretch/>
+        </p:blipFill>
+        <p:spPr bwMode="black">
+          <a:xfrm>
+            <a:off x="0" y="6126480"/>
+            <a:ext cx="12192000" cy="742950"/>
+          </a:xfrm>
+          <a:prstGeom prst="rect">
+            <a:avLst/>
+          </a:prstGeom>
+        </p:spPr>
+      </p:pic>
+      <p:cxnSp>
+        <p:nvCxnSpPr>
+          <p:cNvPr id="22" name="Straight Connector 21">
+            <a:extLst>
+              <a:ext uri="{FF2B5EF4-FFF2-40B4-BE49-F238E27FC236}">
+                <a16:creationId xmlns:a16="http://schemas.microsoft.com/office/drawing/2014/main" id="{C9A60B9D-8DAC-4DA9-88DE-9911621A2B96}"/>
+              </a:ext>
+              <a:ext uri="{C183D7F6-B498-43B3-948B-1728B52AA6E4}">
+                <adec:decorative xmlns:adec="http://schemas.microsoft.com/office/drawing/2017/decorative" val="1"/>
+              </a:ext>
+            </a:extLst>
+          </p:cNvPr>
+          <p:cNvCxnSpPr>
+            <a:cxnSpLocks noGrp="1" noRot="1" noChangeAspect="1" noMove="1" noResize="1" noEditPoints="1" noAdjustHandles="1" noChangeArrowheads="1" noChangeShapeType="1"/>
+          </p:cNvCxnSpPr>
+          <p:nvPr>
+            <p:extLst>
+              <p:ext uri="{386F3935-93C4-4BCD-93E2-E3B085C9AB24}">
+                <p16:designElem xmlns:p16="http://schemas.microsoft.com/office/powerpoint/2015/main" val="1"/>
+              </p:ext>
+            </p:extLst>
+          </p:nvPr>
+        </p:nvCxnSpPr>
+        <p:spPr>
+          <a:xfrm>
+            <a:off x="0" y="6128413"/>
+            <a:ext cx="12192000" cy="0"/>
+          </a:xfrm>
+          <a:prstGeom prst="line">
+            <a:avLst/>
+          </a:prstGeom>
+          <a:ln w="12700">
+            <a:solidFill>
+              <a:srgbClr val="000001">
+                <a:alpha val="20000"/>
+              </a:srgbClr>
+            </a:solidFill>
+          </a:ln>
+        </p:spPr>
+        <p:style>
+          <a:lnRef idx="1">
+            <a:schemeClr val="accent1"/>
+          </a:lnRef>
+          <a:fillRef idx="0">
+            <a:schemeClr val="accent1"/>
+          </a:fillRef>
+          <a:effectRef idx="0">
+            <a:schemeClr val="accent1"/>
+          </a:effectRef>
+          <a:fontRef idx="minor">
+            <a:schemeClr val="tx1"/>
+          </a:fontRef>
+        </p:style>
+      </p:cxnSp>
+      <p:cxnSp>
+        <p:nvCxnSpPr>
+          <p:cNvPr id="24" name="Straight Connector 23">
+            <a:extLst>
+              <a:ext uri="{FF2B5EF4-FFF2-40B4-BE49-F238E27FC236}">
+                <a16:creationId xmlns:a16="http://schemas.microsoft.com/office/drawing/2014/main" id="{0F2BAA51-3181-4303-929A-FCD9C33F8900}"/>
+              </a:ext>
+              <a:ext uri="{C183D7F6-B498-43B3-948B-1728B52AA6E4}">
+                <adec:decorative xmlns:adec="http://schemas.microsoft.com/office/drawing/2017/decorative" val="1"/>
+              </a:ext>
+            </a:extLst>
+          </p:cNvPr>
+          <p:cNvCxnSpPr>
+            <a:cxnSpLocks noGrp="1" noRot="1" noChangeAspect="1" noMove="1" noResize="1" noEditPoints="1" noAdjustHandles="1" noChangeArrowheads="1" noChangeShapeType="1"/>
+          </p:cNvCxnSpPr>
+          <p:nvPr>
+            <p:extLst>
+              <p:ext uri="{386F3935-93C4-4BCD-93E2-E3B085C9AB24}">
+                <p16:designElem xmlns:p16="http://schemas.microsoft.com/office/powerpoint/2015/main" val="1"/>
+              </p:ext>
+            </p:extLst>
+          </p:nvPr>
+        </p:nvCxnSpPr>
+        <p:spPr>
+          <a:xfrm>
+            <a:off x="8127685" y="1328764"/>
+            <a:ext cx="0" cy="3466826"/>
+          </a:xfrm>
+          <a:prstGeom prst="line">
+            <a:avLst/>
+          </a:prstGeom>
+          <a:ln w="31750">
+            <a:solidFill>
+              <a:schemeClr val="accent1"/>
+            </a:solidFill>
+          </a:ln>
+        </p:spPr>
+        <p:style>
+          <a:lnRef idx="1">
+            <a:schemeClr val="accent1"/>
+          </a:lnRef>
+          <a:fillRef idx="0">
+            <a:schemeClr val="accent1"/>
+          </a:fillRef>
+          <a:effectRef idx="0">
+            <a:schemeClr val="accent1"/>
+          </a:effectRef>
+          <a:fontRef idx="minor">
+            <a:schemeClr val="tx1"/>
+          </a:fontRef>
+        </p:style>
+      </p:cxnSp>
+      <p:sp>
+        <p:nvSpPr>
+          <p:cNvPr id="2" name="Title 1">
+            <a:extLst>
+              <a:ext uri="{FF2B5EF4-FFF2-40B4-BE49-F238E27FC236}">
+                <a16:creationId xmlns:a16="http://schemas.microsoft.com/office/drawing/2014/main" id="{2527DFFA-09A4-48B4-A31C-76DEE7B74F04}"/>
+              </a:ext>
+            </a:extLst>
+          </p:cNvPr>
+          <p:cNvSpPr>
+            <a:spLocks noGrp="1"/>
+          </p:cNvSpPr>
+          <p:nvPr>
+            <p:ph type="title"/>
+          </p:nvPr>
+        </p:nvSpPr>
+        <p:spPr>
+          <a:xfrm>
+            <a:off x="960933" y="960241"/>
+            <a:ext cx="6849699" cy="4203872"/>
+          </a:xfrm>
+        </p:spPr>
+        <p:txBody>
+          <a:bodyPr vert="horz" lIns="91440" tIns="45720" rIns="91440" bIns="0" rtlCol="0" anchor="ctr">
+            <a:normAutofit/>
+          </a:bodyPr>
+          <a:lstStyle/>
+          <a:p>
+            <a:pPr algn="r"/>
+            <a:r>
+              <a:rPr lang="en-US" sz="5400" dirty="0" err="1"/>
+              <a:t>COnclusion</a:t>
+            </a:r>
+            <a:endParaRPr lang="en-US" sz="5400" dirty="0"/>
+          </a:p>
+        </p:txBody>
+      </p:sp>
+    </p:spTree>
+    <p:extLst>
+      <p:ext uri="{BB962C8B-B14F-4D97-AF65-F5344CB8AC3E}">
+        <p14:creationId xmlns:p14="http://schemas.microsoft.com/office/powerpoint/2010/main" val="3019147828"/>
+      </p:ext>
+    </p:extLst>
+  </p:cSld>
+  <p:clrMapOvr>
+    <a:overrideClrMapping bg1="dk1" tx1="lt1" bg2="dk2" tx2="lt2" accent1="accent1" accent2="accent2" accent3="accent3" accent4="accent4" accent5="accent5" accent6="accent6" hlink="hlink" folHlink="folHlink"/>
+  </p:clrMapOvr>
+  <mc:AlternateContent xmlns:mc="http://schemas.openxmlformats.org/markup-compatibility/2006" xmlns:p14="http://schemas.microsoft.com/office/powerpoint/2010/main">
+    <mc:Choice Requires="p14">
+      <p:transition spd="med" p14:dur="700">
+        <p:fade/>
+      </p:transition>
+    </mc:Choice>
+    <mc:Fallback xmlns="">
       <p:transition spd="med">
         <p:fade/>
       </p:transition>
@@ -7581,13 +8181,13 @@
   <p:clrMapOvr>
     <a:overrideClrMapping bg1="dk1" tx1="lt1" bg2="dk2" tx2="lt2" accent1="accent1" accent2="accent2" accent3="accent3" accent4="accent4" accent5="accent5" accent6="accent6" hlink="hlink" folHlink="folHlink"/>
   </p:clrMapOvr>
-  <mc:AlternateContent xmlns:mc="http://schemas.openxmlformats.org/markup-compatibility/2006">
-    <mc:Choice xmlns:p14="http://schemas.microsoft.com/office/powerpoint/2010/main" Requires="p14">
+  <mc:AlternateContent xmlns:mc="http://schemas.openxmlformats.org/markup-compatibility/2006" xmlns:p14="http://schemas.microsoft.com/office/powerpoint/2010/main">
+    <mc:Choice Requires="p14">
       <p:transition spd="med" p14:dur="700">
         <p:fade/>
       </p:transition>
     </mc:Choice>
-    <mc:Fallback>
+    <mc:Fallback xmlns="">
       <p:transition spd="med">
         <p:fade/>
       </p:transition>
@@ -8232,13 +8832,13 @@
   <p:clrMapOvr>
     <a:overrideClrMapping bg1="dk1" tx1="lt1" bg2="dk2" tx2="lt2" accent1="accent1" accent2="accent2" accent3="accent3" accent4="accent4" accent5="accent5" accent6="accent6" hlink="hlink" folHlink="folHlink"/>
   </p:clrMapOvr>
-  <mc:AlternateContent xmlns:mc="http://schemas.openxmlformats.org/markup-compatibility/2006">
-    <mc:Choice xmlns:p14="http://schemas.microsoft.com/office/powerpoint/2010/main" Requires="p14">
+  <mc:AlternateContent xmlns:mc="http://schemas.openxmlformats.org/markup-compatibility/2006" xmlns:p14="http://schemas.microsoft.com/office/powerpoint/2010/main">
+    <mc:Choice Requires="p14">
       <p:transition spd="med" p14:dur="700">
         <p:fade/>
       </p:transition>
     </mc:Choice>
-    <mc:Fallback>
+    <mc:Fallback xmlns="">
       <p:transition spd="med">
         <p:fade/>
       </p:transition>
@@ -9116,13 +9716,13 @@
   <p:clrMapOvr>
     <a:masterClrMapping/>
   </p:clrMapOvr>
-  <mc:AlternateContent xmlns:mc="http://schemas.openxmlformats.org/markup-compatibility/2006">
-    <mc:Choice xmlns:p14="http://schemas.microsoft.com/office/powerpoint/2010/main" Requires="p14">
+  <mc:AlternateContent xmlns:mc="http://schemas.openxmlformats.org/markup-compatibility/2006" xmlns:p14="http://schemas.microsoft.com/office/powerpoint/2010/main">
+    <mc:Choice Requires="p14">
       <p:transition spd="med" p14:dur="700">
         <p:fade/>
       </p:transition>
     </mc:Choice>
-    <mc:Fallback>
+    <mc:Fallback xmlns="">
       <p:transition spd="med">
         <p:fade/>
       </p:transition>
@@ -9438,13 +10038,13 @@
   <p:clrMapOvr>
     <a:masterClrMapping/>
   </p:clrMapOvr>
-  <mc:AlternateContent xmlns:mc="http://schemas.openxmlformats.org/markup-compatibility/2006">
-    <mc:Choice xmlns:p14="http://schemas.microsoft.com/office/powerpoint/2010/main" Requires="p14">
+  <mc:AlternateContent xmlns:mc="http://schemas.openxmlformats.org/markup-compatibility/2006" xmlns:p14="http://schemas.microsoft.com/office/powerpoint/2010/main">
+    <mc:Choice Requires="p14">
       <p:transition spd="med" p14:dur="700">
         <p:fade/>
       </p:transition>
     </mc:Choice>
-    <mc:Fallback>
+    <mc:Fallback xmlns="">
       <p:transition spd="med">
         <p:fade/>
       </p:transition>
@@ -9939,13 +10539,13 @@
   <p:clrMapOvr>
     <a:masterClrMapping/>
   </p:clrMapOvr>
-  <mc:AlternateContent xmlns:mc="http://schemas.openxmlformats.org/markup-compatibility/2006">
-    <mc:Choice xmlns:p14="http://schemas.microsoft.com/office/powerpoint/2010/main" Requires="p14">
+  <mc:AlternateContent xmlns:mc="http://schemas.openxmlformats.org/markup-compatibility/2006" xmlns:p14="http://schemas.microsoft.com/office/powerpoint/2010/main">
+    <mc:Choice Requires="p14">
       <p:transition spd="med" p14:dur="700">
         <p:fade/>
       </p:transition>
     </mc:Choice>
-    <mc:Fallback>
+    <mc:Fallback xmlns="">
       <p:transition spd="med">
         <p:fade/>
       </p:transition>
@@ -10832,13 +11432,13 @@
   <p:clrMapOvr>
     <a:masterClrMapping/>
   </p:clrMapOvr>
-  <mc:AlternateContent xmlns:mc="http://schemas.openxmlformats.org/markup-compatibility/2006">
-    <mc:Choice xmlns:p14="http://schemas.microsoft.com/office/powerpoint/2010/main" Requires="p14">
+  <mc:AlternateContent xmlns:mc="http://schemas.openxmlformats.org/markup-compatibility/2006" xmlns:p14="http://schemas.microsoft.com/office/powerpoint/2010/main">
+    <mc:Choice Requires="p14">
       <p:transition spd="med" p14:dur="700">
         <p:fade/>
       </p:transition>
     </mc:Choice>
-    <mc:Fallback>
+    <mc:Fallback xmlns="">
       <p:transition spd="med">
         <p:fade/>
       </p:transition>
@@ -11292,13 +11892,13 @@
   <p:clrMapOvr>
     <a:masterClrMapping/>
   </p:clrMapOvr>
-  <mc:AlternateContent xmlns:mc="http://schemas.openxmlformats.org/markup-compatibility/2006">
-    <mc:Choice xmlns:p14="http://schemas.microsoft.com/office/powerpoint/2010/main" Requires="p14">
+  <mc:AlternateContent xmlns:mc="http://schemas.openxmlformats.org/markup-compatibility/2006" xmlns:p14="http://schemas.microsoft.com/office/powerpoint/2010/main">
+    <mc:Choice Requires="p14">
       <p:transition spd="med" p14:dur="700">
         <p:fade/>
       </p:transition>
     </mc:Choice>
-    <mc:Fallback>
+    <mc:Fallback xmlns="">
       <p:transition spd="med">
         <p:fade/>
       </p:transition>
@@ -11553,13 +12153,13 @@
   <p:clrMapOvr>
     <a:masterClrMapping/>
   </p:clrMapOvr>
-  <mc:AlternateContent xmlns:mc="http://schemas.openxmlformats.org/markup-compatibility/2006">
-    <mc:Choice xmlns:p14="http://schemas.microsoft.com/office/powerpoint/2010/main" Requires="p14">
+  <mc:AlternateContent xmlns:mc="http://schemas.openxmlformats.org/markup-compatibility/2006" xmlns:p14="http://schemas.microsoft.com/office/powerpoint/2010/main">
+    <mc:Choice Requires="p14">
       <p:transition spd="med" p14:dur="700">
         <p:fade/>
       </p:transition>
     </mc:Choice>
-    <mc:Fallback>
+    <mc:Fallback xmlns="">
       <p:transition spd="med">
         <p:fade/>
       </p:transition>
